--- a/Semester 1 Master/Machine Learning/paper/presentation.pptx
+++ b/Semester 1 Master/Machine Learning/paper/presentation.pptx
@@ -12,8 +12,8 @@
     <p:sldId id="280" r:id="rId3"/>
     <p:sldId id="257" r:id="rId4"/>
     <p:sldId id="263" r:id="rId5"/>
-    <p:sldId id="281" r:id="rId6"/>
-    <p:sldId id="282" r:id="rId7"/>
+    <p:sldId id="282" r:id="rId6"/>
+    <p:sldId id="281" r:id="rId7"/>
     <p:sldId id="286" r:id="rId8"/>
     <p:sldId id="287" r:id="rId9"/>
     <p:sldId id="288" r:id="rId10"/>
@@ -127,8 +127,8 @@
             <p14:sldId id="280"/>
             <p14:sldId id="257"/>
             <p14:sldId id="263"/>
+            <p14:sldId id="282"/>
             <p14:sldId id="281"/>
-            <p14:sldId id="282"/>
             <p14:sldId id="286"/>
             <p14:sldId id="287"/>
             <p14:sldId id="288"/>
@@ -228,7 +228,7 @@
           <a:p>
             <a:fld id="{DDBCFBCF-96FA-4D36-A4EE-F71C369150AD}" type="datetimeFigureOut">
               <a:rPr lang="en-US" smtClean="0"/>
-              <a:t>11/16/2022</a:t>
+              <a:t>11/28/2022</a:t>
             </a:fld>
             <a:endParaRPr lang="en-US"/>
           </a:p>
@@ -815,7 +815,7 @@
           <a:p>
             <a:fld id="{81B8F32D-D8B6-4B9E-9CBF-DCAC30B7B93D}" type="datetimeFigureOut">
               <a:rPr lang="en-US" smtClean="0"/>
-              <a:t>11/16/2022</a:t>
+              <a:t>11/28/2022</a:t>
             </a:fld>
             <a:endParaRPr lang="en-US"/>
           </a:p>
@@ -1131,7 +1131,7 @@
           <a:p>
             <a:fld id="{81B8F32D-D8B6-4B9E-9CBF-DCAC30B7B93D}" type="datetimeFigureOut">
               <a:rPr lang="en-US" smtClean="0"/>
-              <a:t>11/16/2022</a:t>
+              <a:t>11/28/2022</a:t>
             </a:fld>
             <a:endParaRPr lang="en-US"/>
           </a:p>
@@ -1436,7 +1436,7 @@
           <a:p>
             <a:fld id="{81B8F32D-D8B6-4B9E-9CBF-DCAC30B7B93D}" type="datetimeFigureOut">
               <a:rPr lang="en-US" smtClean="0"/>
-              <a:t>11/16/2022</a:t>
+              <a:t>11/28/2022</a:t>
             </a:fld>
             <a:endParaRPr lang="en-US"/>
           </a:p>
@@ -1643,7 +1643,7 @@
           <a:p>
             <a:fld id="{81B8F32D-D8B6-4B9E-9CBF-DCAC30B7B93D}" type="datetimeFigureOut">
               <a:rPr lang="en-US" smtClean="0"/>
-              <a:t>11/16/2022</a:t>
+              <a:t>11/28/2022</a:t>
             </a:fld>
             <a:endParaRPr lang="en-US"/>
           </a:p>
@@ -1991,7 +1991,7 @@
           <a:p>
             <a:fld id="{81B8F32D-D8B6-4B9E-9CBF-DCAC30B7B93D}" type="datetimeFigureOut">
               <a:rPr lang="en-US" smtClean="0"/>
-              <a:t>11/16/2022</a:t>
+              <a:t>11/28/2022</a:t>
             </a:fld>
             <a:endParaRPr lang="en-US"/>
           </a:p>
@@ -2462,7 +2462,7 @@
           <a:p>
             <a:fld id="{81B8F32D-D8B6-4B9E-9CBF-DCAC30B7B93D}" type="datetimeFigureOut">
               <a:rPr lang="en-US" smtClean="0"/>
-              <a:t>11/16/2022</a:t>
+              <a:t>11/28/2022</a:t>
             </a:fld>
             <a:endParaRPr lang="en-US"/>
           </a:p>
@@ -2997,7 +2997,7 @@
           <a:p>
             <a:fld id="{81B8F32D-D8B6-4B9E-9CBF-DCAC30B7B93D}" type="datetimeFigureOut">
               <a:rPr lang="en-US" smtClean="0"/>
-              <a:t>11/16/2022</a:t>
+              <a:t>11/28/2022</a:t>
             </a:fld>
             <a:endParaRPr lang="en-US"/>
           </a:p>
@@ -3214,7 +3214,7 @@
           <a:p>
             <a:fld id="{81B8F32D-D8B6-4B9E-9CBF-DCAC30B7B93D}" type="datetimeFigureOut">
               <a:rPr lang="en-US" smtClean="0"/>
-              <a:t>11/16/2022</a:t>
+              <a:t>11/28/2022</a:t>
             </a:fld>
             <a:endParaRPr lang="en-US"/>
           </a:p>
@@ -3419,7 +3419,7 @@
           <a:p>
             <a:fld id="{81B8F32D-D8B6-4B9E-9CBF-DCAC30B7B93D}" type="datetimeFigureOut">
               <a:rPr lang="en-US" smtClean="0"/>
-              <a:t>11/16/2022</a:t>
+              <a:t>11/28/2022</a:t>
             </a:fld>
             <a:endParaRPr lang="en-US"/>
           </a:p>
@@ -3749,7 +3749,7 @@
           <a:p>
             <a:fld id="{81B8F32D-D8B6-4B9E-9CBF-DCAC30B7B93D}" type="datetimeFigureOut">
               <a:rPr lang="en-US" smtClean="0"/>
-              <a:t>11/16/2022</a:t>
+              <a:t>11/28/2022</a:t>
             </a:fld>
             <a:endParaRPr lang="en-US"/>
           </a:p>
@@ -4059,7 +4059,7 @@
           <a:p>
             <a:fld id="{81B8F32D-D8B6-4B9E-9CBF-DCAC30B7B93D}" type="datetimeFigureOut">
               <a:rPr lang="en-US" smtClean="0"/>
-              <a:t>11/16/2022</a:t>
+              <a:t>11/28/2022</a:t>
             </a:fld>
             <a:endParaRPr lang="en-US"/>
           </a:p>
@@ -4300,7 +4300,7 @@
             <a:fld id="{81B8F32D-D8B6-4B9E-9CBF-DCAC30B7B93D}" type="datetimeFigureOut">
               <a:rPr lang="en-US" smtClean="0"/>
               <a:pPr/>
-              <a:t>11/16/2022</a:t>
+              <a:t>11/28/2022</a:t>
             </a:fld>
             <a:endParaRPr lang="en-US" dirty="0"/>
           </a:p>
@@ -5618,8 +5618,8 @@
         </p:blipFill>
         <p:spPr>
           <a:xfrm>
-            <a:off x="2904477" y="2207258"/>
-            <a:ext cx="6383045" cy="3769942"/>
+            <a:off x="2736664" y="2064383"/>
+            <a:ext cx="7047391" cy="4162317"/>
           </a:xfrm>
           <a:prstGeom prst="rect">
             <a:avLst/>
@@ -8023,55 +8023,6 @@
           </a:prstGeom>
         </p:spPr>
       </p:pic>
-      <p:sp>
-        <p:nvSpPr>
-          <p:cNvPr id="2" name="Title 1">
-            <a:extLst>
-              <a:ext uri="{FF2B5EF4-FFF2-40B4-BE49-F238E27FC236}">
-                <a16:creationId xmlns:a16="http://schemas.microsoft.com/office/drawing/2014/main" id="{060ECED5-FDB9-A51C-579E-0194D4AC5745}"/>
-              </a:ext>
-            </a:extLst>
-          </p:cNvPr>
-          <p:cNvSpPr>
-            <a:spLocks noGrp="1"/>
-          </p:cNvSpPr>
-          <p:nvPr>
-            <p:ph type="ctrTitle"/>
-          </p:nvPr>
-        </p:nvSpPr>
-        <p:spPr>
-          <a:xfrm>
-            <a:off x="482600" y="732032"/>
-            <a:ext cx="11555520" cy="2736390"/>
-          </a:xfrm>
-        </p:spPr>
-        <p:txBody>
-          <a:bodyPr anchor="t">
-            <a:noAutofit/>
-          </a:bodyPr>
-          <a:lstStyle/>
-          <a:p>
-            <a:pPr algn="ctr"/>
-            <a:r>
-              <a:rPr lang="en-US" sz="3600" b="1" dirty="0">
-                <a:solidFill>
-                  <a:srgbClr val="FFFFFF"/>
-                </a:solidFill>
-                <a:latin typeface="Times New Roman" panose="02020603050405020304" pitchFamily="18" charset="0"/>
-                <a:cs typeface="Times New Roman" panose="02020603050405020304" pitchFamily="18" charset="0"/>
-              </a:rPr>
-              <a:t>You Only Look Once (YOLO)</a:t>
-            </a:r>
-            <a:endParaRPr lang="en-US" sz="4800" b="1" dirty="0">
-              <a:solidFill>
-                <a:srgbClr val="FFFFFF"/>
-              </a:solidFill>
-              <a:latin typeface="Times New Roman" panose="02020603050405020304" pitchFamily="18" charset="0"/>
-              <a:cs typeface="Times New Roman" panose="02020603050405020304" pitchFamily="18" charset="0"/>
-            </a:endParaRPr>
-          </a:p>
-        </p:txBody>
-      </p:sp>
       <p:cxnSp>
         <p:nvCxnSpPr>
           <p:cNvPr id="27" name="Straight Connector 12">
@@ -8176,36 +8127,6 @@
           </a:fontRef>
         </p:style>
       </p:cxnSp>
-      <p:pic>
-        <p:nvPicPr>
-          <p:cNvPr id="8" name="Content Placeholder 6">
-            <a:extLst>
-              <a:ext uri="{FF2B5EF4-FFF2-40B4-BE49-F238E27FC236}">
-                <a16:creationId xmlns:a16="http://schemas.microsoft.com/office/drawing/2014/main" id="{1BCFC570-3AFB-FD35-1148-7D060DE19C93}"/>
-              </a:ext>
-            </a:extLst>
-          </p:cNvPr>
-          <p:cNvPicPr>
-            <a:picLocks noChangeAspect="1"/>
-          </p:cNvPicPr>
-          <p:nvPr/>
-        </p:nvPicPr>
-        <p:blipFill>
-          <a:blip r:embed="rId3"/>
-          <a:stretch>
-            <a:fillRect/>
-          </a:stretch>
-        </p:blipFill>
-        <p:spPr>
-          <a:xfrm>
-            <a:off x="3281419" y="1521480"/>
-            <a:ext cx="5629161" cy="4378236"/>
-          </a:xfrm>
-          <a:prstGeom prst="rect">
-            <a:avLst/>
-          </a:prstGeom>
-        </p:spPr>
-      </p:pic>
       <p:sp>
         <p:nvSpPr>
           <p:cNvPr id="10" name="TextBox 9">
@@ -8221,7 +8142,7 @@
         <p:spPr>
           <a:xfrm>
             <a:off x="457165" y="6428403"/>
-            <a:ext cx="11274641" cy="230832"/>
+            <a:ext cx="11274641" cy="369332"/>
           </a:xfrm>
           <a:prstGeom prst="rect">
             <a:avLst/>
@@ -8246,12 +8167,20 @@
               <a:t>Source: </a:t>
             </a:r>
             <a:r>
+              <a:rPr lang="en-US" sz="900" dirty="0" err="1">
+                <a:solidFill>
+                  <a:schemeClr val="bg1"/>
+                </a:solidFill>
+              </a:rPr>
+              <a:t>Girshick</a:t>
+            </a:r>
+            <a:r>
               <a:rPr lang="en-US" sz="900" dirty="0">
                 <a:solidFill>
                   <a:schemeClr val="bg1"/>
                 </a:solidFill>
               </a:rPr>
-              <a:t>Joseph Redmon and Ali Farhadi. YOLO9000: Better, Faster, Stronger. 2017 IEEE Conference on Computer Vision and Pattern Recognition (CVPR), pages 6517–6525, 2017</a:t>
+              <a:t>, R., Donahue, J., Darrell, T., Malik, J., 2014. Rich feature hierarchies for accurate object detection and semantic segmentation, in: Proceedings of the IEEE conference on computer vision and pattern recognition, pp. 580–587</a:t>
             </a:r>
             <a:endParaRPr lang="en-US" sz="900" dirty="0">
               <a:solidFill>
@@ -8263,10 +8192,95 @@
           </a:p>
         </p:txBody>
       </p:sp>
+      <p:pic>
+        <p:nvPicPr>
+          <p:cNvPr id="6" name="Picture 5" descr="Diagram, schematic&#10;&#10;Description automatically generated">
+            <a:extLst>
+              <a:ext uri="{FF2B5EF4-FFF2-40B4-BE49-F238E27FC236}">
+                <a16:creationId xmlns:a16="http://schemas.microsoft.com/office/drawing/2014/main" id="{699A5752-7BB5-961E-32AF-25ED35082B77}"/>
+              </a:ext>
+            </a:extLst>
+          </p:cNvPr>
+          <p:cNvPicPr>
+            <a:picLocks noChangeAspect="1"/>
+          </p:cNvPicPr>
+          <p:nvPr/>
+        </p:nvPicPr>
+        <p:blipFill>
+          <a:blip r:embed="rId3">
+            <a:extLst>
+              <a:ext uri="{28A0092B-C50C-407E-A947-70E740481C1C}">
+                <a14:useLocalDpi xmlns:a14="http://schemas.microsoft.com/office/drawing/2010/main" val="0"/>
+              </a:ext>
+            </a:extLst>
+          </a:blip>
+          <a:stretch>
+            <a:fillRect/>
+          </a:stretch>
+        </p:blipFill>
+        <p:spPr>
+          <a:xfrm>
+            <a:off x="1630805" y="2265956"/>
+            <a:ext cx="9149372" cy="2622192"/>
+          </a:xfrm>
+          <a:prstGeom prst="rect">
+            <a:avLst/>
+          </a:prstGeom>
+        </p:spPr>
+      </p:pic>
+      <p:sp>
+        <p:nvSpPr>
+          <p:cNvPr id="8" name="Title 1">
+            <a:extLst>
+              <a:ext uri="{FF2B5EF4-FFF2-40B4-BE49-F238E27FC236}">
+                <a16:creationId xmlns:a16="http://schemas.microsoft.com/office/drawing/2014/main" id="{B83242D7-3515-B326-6991-D6BD0ABEC4FC}"/>
+              </a:ext>
+            </a:extLst>
+          </p:cNvPr>
+          <p:cNvSpPr>
+            <a:spLocks noGrp="1"/>
+          </p:cNvSpPr>
+          <p:nvPr>
+            <p:ph type="ctrTitle"/>
+          </p:nvPr>
+        </p:nvSpPr>
+        <p:spPr>
+          <a:xfrm>
+            <a:off x="186431" y="722740"/>
+            <a:ext cx="12038120" cy="2736390"/>
+          </a:xfrm>
+        </p:spPr>
+        <p:txBody>
+          <a:bodyPr anchor="t">
+            <a:noAutofit/>
+          </a:bodyPr>
+          <a:lstStyle/>
+          <a:p>
+            <a:pPr algn="ctr"/>
+            <a:r>
+              <a:rPr lang="en-US" sz="3600" b="1" dirty="0">
+                <a:solidFill>
+                  <a:srgbClr val="FFFFFF"/>
+                </a:solidFill>
+                <a:latin typeface="Times New Roman" panose="02020603050405020304" pitchFamily="18" charset="0"/>
+                <a:cs typeface="Times New Roman" panose="02020603050405020304" pitchFamily="18" charset="0"/>
+              </a:rPr>
+              <a:t>Region based convolutional neural networks (R-CNN)</a:t>
+            </a:r>
+            <a:endParaRPr lang="en-US" sz="4800" b="1" dirty="0">
+              <a:solidFill>
+                <a:srgbClr val="FFFFFF"/>
+              </a:solidFill>
+              <a:latin typeface="Times New Roman" panose="02020603050405020304" pitchFamily="18" charset="0"/>
+              <a:cs typeface="Times New Roman" panose="02020603050405020304" pitchFamily="18" charset="0"/>
+            </a:endParaRPr>
+          </a:p>
+        </p:txBody>
+      </p:sp>
     </p:spTree>
     <p:extLst>
       <p:ext uri="{BB962C8B-B14F-4D97-AF65-F5344CB8AC3E}">
-        <p14:creationId xmlns:p14="http://schemas.microsoft.com/office/powerpoint/2010/main" val="4104084345"/>
+        <p14:creationId xmlns:p14="http://schemas.microsoft.com/office/powerpoint/2010/main" val="60378734"/>
       </p:ext>
     </p:extLst>
   </p:cSld>
@@ -8455,6 +8469,55 @@
           </a:prstGeom>
         </p:spPr>
       </p:pic>
+      <p:sp>
+        <p:nvSpPr>
+          <p:cNvPr id="2" name="Title 1">
+            <a:extLst>
+              <a:ext uri="{FF2B5EF4-FFF2-40B4-BE49-F238E27FC236}">
+                <a16:creationId xmlns:a16="http://schemas.microsoft.com/office/drawing/2014/main" id="{060ECED5-FDB9-A51C-579E-0194D4AC5745}"/>
+              </a:ext>
+            </a:extLst>
+          </p:cNvPr>
+          <p:cNvSpPr>
+            <a:spLocks noGrp="1"/>
+          </p:cNvSpPr>
+          <p:nvPr>
+            <p:ph type="ctrTitle"/>
+          </p:nvPr>
+        </p:nvSpPr>
+        <p:spPr>
+          <a:xfrm>
+            <a:off x="482600" y="732032"/>
+            <a:ext cx="11555520" cy="2736390"/>
+          </a:xfrm>
+        </p:spPr>
+        <p:txBody>
+          <a:bodyPr anchor="t">
+            <a:noAutofit/>
+          </a:bodyPr>
+          <a:lstStyle/>
+          <a:p>
+            <a:pPr algn="ctr"/>
+            <a:r>
+              <a:rPr lang="en-US" sz="3600" b="1" dirty="0">
+                <a:solidFill>
+                  <a:srgbClr val="FFFFFF"/>
+                </a:solidFill>
+                <a:latin typeface="Times New Roman" panose="02020603050405020304" pitchFamily="18" charset="0"/>
+                <a:cs typeface="Times New Roman" panose="02020603050405020304" pitchFamily="18" charset="0"/>
+              </a:rPr>
+              <a:t>You Only Look Once (YOLO)</a:t>
+            </a:r>
+            <a:endParaRPr lang="en-US" sz="4800" b="1" dirty="0">
+              <a:solidFill>
+                <a:srgbClr val="FFFFFF"/>
+              </a:solidFill>
+              <a:latin typeface="Times New Roman" panose="02020603050405020304" pitchFamily="18" charset="0"/>
+              <a:cs typeface="Times New Roman" panose="02020603050405020304" pitchFamily="18" charset="0"/>
+            </a:endParaRPr>
+          </a:p>
+        </p:txBody>
+      </p:sp>
       <p:cxnSp>
         <p:nvCxnSpPr>
           <p:cNvPr id="27" name="Straight Connector 12">
@@ -8559,6 +8622,36 @@
           </a:fontRef>
         </p:style>
       </p:cxnSp>
+      <p:pic>
+        <p:nvPicPr>
+          <p:cNvPr id="8" name="Content Placeholder 6">
+            <a:extLst>
+              <a:ext uri="{FF2B5EF4-FFF2-40B4-BE49-F238E27FC236}">
+                <a16:creationId xmlns:a16="http://schemas.microsoft.com/office/drawing/2014/main" id="{1BCFC570-3AFB-FD35-1148-7D060DE19C93}"/>
+              </a:ext>
+            </a:extLst>
+          </p:cNvPr>
+          <p:cNvPicPr>
+            <a:picLocks noChangeAspect="1"/>
+          </p:cNvPicPr>
+          <p:nvPr/>
+        </p:nvPicPr>
+        <p:blipFill>
+          <a:blip r:embed="rId3"/>
+          <a:stretch>
+            <a:fillRect/>
+          </a:stretch>
+        </p:blipFill>
+        <p:spPr>
+          <a:xfrm>
+            <a:off x="3281419" y="1521480"/>
+            <a:ext cx="5629161" cy="4378236"/>
+          </a:xfrm>
+          <a:prstGeom prst="rect">
+            <a:avLst/>
+          </a:prstGeom>
+        </p:spPr>
+      </p:pic>
       <p:sp>
         <p:nvSpPr>
           <p:cNvPr id="10" name="TextBox 9">
@@ -8574,7 +8667,7 @@
         <p:spPr>
           <a:xfrm>
             <a:off x="457165" y="6428403"/>
-            <a:ext cx="11274641" cy="369332"/>
+            <a:ext cx="11274641" cy="230832"/>
           </a:xfrm>
           <a:prstGeom prst="rect">
             <a:avLst/>
@@ -8599,20 +8692,12 @@
               <a:t>Source: </a:t>
             </a:r>
             <a:r>
-              <a:rPr lang="en-US" sz="900" dirty="0" err="1">
-                <a:solidFill>
-                  <a:schemeClr val="bg1"/>
-                </a:solidFill>
-              </a:rPr>
-              <a:t>Girshick</a:t>
-            </a:r>
-            <a:r>
               <a:rPr lang="en-US" sz="900" dirty="0">
                 <a:solidFill>
                   <a:schemeClr val="bg1"/>
                 </a:solidFill>
               </a:rPr>
-              <a:t>, R., Donahue, J., Darrell, T., Malik, J., 2014. Rich feature hierarchies for accurate object detection and semantic segmentation, in: Proceedings of the IEEE conference on computer vision and pattern recognition, pp. 580–587</a:t>
+              <a:t>Joseph Redmon and Ali Farhadi. YOLO9000: Better, Faster, Stronger. 2017 IEEE Conference on Computer Vision and Pattern Recognition (CVPR), pages 6517–6525, 2017</a:t>
             </a:r>
             <a:endParaRPr lang="en-US" sz="900" dirty="0">
               <a:solidFill>
@@ -8624,95 +8709,10 @@
           </a:p>
         </p:txBody>
       </p:sp>
-      <p:pic>
-        <p:nvPicPr>
-          <p:cNvPr id="6" name="Picture 5" descr="Diagram, schematic&#10;&#10;Description automatically generated">
-            <a:extLst>
-              <a:ext uri="{FF2B5EF4-FFF2-40B4-BE49-F238E27FC236}">
-                <a16:creationId xmlns:a16="http://schemas.microsoft.com/office/drawing/2014/main" id="{699A5752-7BB5-961E-32AF-25ED35082B77}"/>
-              </a:ext>
-            </a:extLst>
-          </p:cNvPr>
-          <p:cNvPicPr>
-            <a:picLocks noChangeAspect="1"/>
-          </p:cNvPicPr>
-          <p:nvPr/>
-        </p:nvPicPr>
-        <p:blipFill>
-          <a:blip r:embed="rId3">
-            <a:extLst>
-              <a:ext uri="{28A0092B-C50C-407E-A947-70E740481C1C}">
-                <a14:useLocalDpi xmlns:a14="http://schemas.microsoft.com/office/drawing/2010/main" val="0"/>
-              </a:ext>
-            </a:extLst>
-          </a:blip>
-          <a:stretch>
-            <a:fillRect/>
-          </a:stretch>
-        </p:blipFill>
-        <p:spPr>
-          <a:xfrm>
-            <a:off x="1630805" y="2265956"/>
-            <a:ext cx="9149372" cy="2622192"/>
-          </a:xfrm>
-          <a:prstGeom prst="rect">
-            <a:avLst/>
-          </a:prstGeom>
-        </p:spPr>
-      </p:pic>
-      <p:sp>
-        <p:nvSpPr>
-          <p:cNvPr id="8" name="Title 1">
-            <a:extLst>
-              <a:ext uri="{FF2B5EF4-FFF2-40B4-BE49-F238E27FC236}">
-                <a16:creationId xmlns:a16="http://schemas.microsoft.com/office/drawing/2014/main" id="{B83242D7-3515-B326-6991-D6BD0ABEC4FC}"/>
-              </a:ext>
-            </a:extLst>
-          </p:cNvPr>
-          <p:cNvSpPr>
-            <a:spLocks noGrp="1"/>
-          </p:cNvSpPr>
-          <p:nvPr>
-            <p:ph type="ctrTitle"/>
-          </p:nvPr>
-        </p:nvSpPr>
-        <p:spPr>
-          <a:xfrm>
-            <a:off x="186431" y="722740"/>
-            <a:ext cx="12038120" cy="2736390"/>
-          </a:xfrm>
-        </p:spPr>
-        <p:txBody>
-          <a:bodyPr anchor="t">
-            <a:noAutofit/>
-          </a:bodyPr>
-          <a:lstStyle/>
-          <a:p>
-            <a:pPr algn="ctr"/>
-            <a:r>
-              <a:rPr lang="en-US" sz="3600" b="1" dirty="0">
-                <a:solidFill>
-                  <a:srgbClr val="FFFFFF"/>
-                </a:solidFill>
-                <a:latin typeface="Times New Roman" panose="02020603050405020304" pitchFamily="18" charset="0"/>
-                <a:cs typeface="Times New Roman" panose="02020603050405020304" pitchFamily="18" charset="0"/>
-              </a:rPr>
-              <a:t>Region based convolutional neural networks (R-CNN)</a:t>
-            </a:r>
-            <a:endParaRPr lang="en-US" sz="4800" b="1" dirty="0">
-              <a:solidFill>
-                <a:srgbClr val="FFFFFF"/>
-              </a:solidFill>
-              <a:latin typeface="Times New Roman" panose="02020603050405020304" pitchFamily="18" charset="0"/>
-              <a:cs typeface="Times New Roman" panose="02020603050405020304" pitchFamily="18" charset="0"/>
-            </a:endParaRPr>
-          </a:p>
-        </p:txBody>
-      </p:sp>
     </p:spTree>
     <p:extLst>
       <p:ext uri="{BB962C8B-B14F-4D97-AF65-F5344CB8AC3E}">
-        <p14:creationId xmlns:p14="http://schemas.microsoft.com/office/powerpoint/2010/main" val="60378734"/>
+        <p14:creationId xmlns:p14="http://schemas.microsoft.com/office/powerpoint/2010/main" val="4104084345"/>
       </p:ext>
     </p:extLst>
   </p:cSld>
